--- a/auturbo_2018_spring/auturbo_2018_spring_week1.pptx
+++ b/auturbo_2018_spring/auturbo_2018_spring_week1.pptx
@@ -297,7 +297,7 @@
           <a:p>
             <a:fld id="{8400AEFC-B951-423E-887B-B5663AE0C25F}" type="datetimeFigureOut">
               <a:rPr lang="ko-KR" altLang="en-US" smtClean="0"/>
-              <a:t>2018-04-03</a:t>
+              <a:t>2018-04-04</a:t>
             </a:fld>
             <a:endParaRPr lang="ko-KR" altLang="en-US"/>
           </a:p>
@@ -504,7 +504,7 @@
           <a:p>
             <a:fld id="{8400AEFC-B951-423E-887B-B5663AE0C25F}" type="datetimeFigureOut">
               <a:rPr lang="ko-KR" altLang="en-US" smtClean="0"/>
-              <a:t>2018-04-03</a:t>
+              <a:t>2018-04-04</a:t>
             </a:fld>
             <a:endParaRPr lang="ko-KR" altLang="en-US"/>
           </a:p>
@@ -684,7 +684,7 @@
           <a:p>
             <a:fld id="{8400AEFC-B951-423E-887B-B5663AE0C25F}" type="datetimeFigureOut">
               <a:rPr lang="ko-KR" altLang="en-US" smtClean="0"/>
-              <a:t>2018-04-03</a:t>
+              <a:t>2018-04-04</a:t>
             </a:fld>
             <a:endParaRPr lang="ko-KR" altLang="en-US"/>
           </a:p>
@@ -938,7 +938,7 @@
           <a:p>
             <a:fld id="{8400AEFC-B951-423E-887B-B5663AE0C25F}" type="datetimeFigureOut">
               <a:rPr lang="ko-KR" altLang="en-US" smtClean="0"/>
-              <a:t>2018-04-03</a:t>
+              <a:t>2018-04-04</a:t>
             </a:fld>
             <a:endParaRPr lang="ko-KR" altLang="en-US"/>
           </a:p>
@@ -1221,7 +1221,7 @@
           <a:p>
             <a:fld id="{8400AEFC-B951-423E-887B-B5663AE0C25F}" type="datetimeFigureOut">
               <a:rPr lang="ko-KR" altLang="en-US" smtClean="0"/>
-              <a:t>2018-04-03</a:t>
+              <a:t>2018-04-04</a:t>
             </a:fld>
             <a:endParaRPr lang="ko-KR" altLang="en-US"/>
           </a:p>
@@ -1516,7 +1516,7 @@
           <a:p>
             <a:fld id="{8400AEFC-B951-423E-887B-B5663AE0C25F}" type="datetimeFigureOut">
               <a:rPr lang="ko-KR" altLang="en-US" smtClean="0"/>
-              <a:t>2018-04-03</a:t>
+              <a:t>2018-04-04</a:t>
             </a:fld>
             <a:endParaRPr lang="ko-KR" altLang="en-US"/>
           </a:p>
@@ -1938,7 +1938,7 @@
           <a:p>
             <a:fld id="{8400AEFC-B951-423E-887B-B5663AE0C25F}" type="datetimeFigureOut">
               <a:rPr lang="ko-KR" altLang="en-US" smtClean="0"/>
-              <a:t>2018-04-03</a:t>
+              <a:t>2018-04-04</a:t>
             </a:fld>
             <a:endParaRPr lang="ko-KR" altLang="en-US"/>
           </a:p>
@@ -2056,7 +2056,7 @@
           <a:p>
             <a:fld id="{8400AEFC-B951-423E-887B-B5663AE0C25F}" type="datetimeFigureOut">
               <a:rPr lang="ko-KR" altLang="en-US" smtClean="0"/>
-              <a:t>2018-04-03</a:t>
+              <a:t>2018-04-04</a:t>
             </a:fld>
             <a:endParaRPr lang="ko-KR" altLang="en-US"/>
           </a:p>
@@ -2151,7 +2151,7 @@
           <a:p>
             <a:fld id="{8400AEFC-B951-423E-887B-B5663AE0C25F}" type="datetimeFigureOut">
               <a:rPr lang="ko-KR" altLang="en-US" smtClean="0"/>
-              <a:t>2018-04-03</a:t>
+              <a:t>2018-04-04</a:t>
             </a:fld>
             <a:endParaRPr lang="ko-KR" altLang="en-US"/>
           </a:p>
@@ -2428,7 +2428,7 @@
           <a:p>
             <a:fld id="{8400AEFC-B951-423E-887B-B5663AE0C25F}" type="datetimeFigureOut">
               <a:rPr lang="ko-KR" altLang="en-US" smtClean="0"/>
-              <a:t>2018-04-03</a:t>
+              <a:t>2018-04-04</a:t>
             </a:fld>
             <a:endParaRPr lang="ko-KR" altLang="en-US"/>
           </a:p>
@@ -2681,7 +2681,7 @@
           <a:p>
             <a:fld id="{8400AEFC-B951-423E-887B-B5663AE0C25F}" type="datetimeFigureOut">
               <a:rPr lang="ko-KR" altLang="en-US" smtClean="0"/>
-              <a:t>2018-04-03</a:t>
+              <a:t>2018-04-04</a:t>
             </a:fld>
             <a:endParaRPr lang="ko-KR" altLang="en-US"/>
           </a:p>
@@ -2894,7 +2894,7 @@
           <a:p>
             <a:fld id="{8400AEFC-B951-423E-887B-B5663AE0C25F}" type="datetimeFigureOut">
               <a:rPr lang="ko-KR" altLang="en-US" smtClean="0"/>
-              <a:t>2018-04-03</a:t>
+              <a:t>2018-04-04</a:t>
             </a:fld>
             <a:endParaRPr lang="ko-KR" altLang="en-US"/>
           </a:p>
@@ -4296,18 +4296,299 @@
           </a:p>
         </p:txBody>
       </p:sp>
+      <p:sp>
+        <p:nvSpPr>
+          <p:cNvPr id="17" name="모서리가 둥근 직사각형 16"/>
+          <p:cNvSpPr/>
+          <p:nvPr/>
+        </p:nvSpPr>
+        <p:spPr>
+          <a:xfrm>
+            <a:off x="3524785" y="5373216"/>
+            <a:ext cx="4029693" cy="1095079"/>
+          </a:xfrm>
+          <a:prstGeom prst="roundRect">
+            <a:avLst>
+              <a:gd name="adj" fmla="val 33720"/>
+            </a:avLst>
+          </a:prstGeom>
+          <a:noFill/>
+          <a:ln>
+            <a:solidFill>
+              <a:schemeClr val="tx2">
+                <a:lumMod val="60000"/>
+                <a:lumOff val="40000"/>
+              </a:schemeClr>
+            </a:solidFill>
+          </a:ln>
+        </p:spPr>
+        <p:style>
+          <a:lnRef idx="2">
+            <a:schemeClr val="accent1">
+              <a:shade val="50000"/>
+            </a:schemeClr>
+          </a:lnRef>
+          <a:fillRef idx="1">
+            <a:schemeClr val="accent1"/>
+          </a:fillRef>
+          <a:effectRef idx="0">
+            <a:schemeClr val="accent1"/>
+          </a:effectRef>
+          <a:fontRef idx="minor">
+            <a:schemeClr val="lt1"/>
+          </a:fontRef>
+        </p:style>
+        <p:txBody>
+          <a:bodyPr rtlCol="0" anchor="ctr"/>
+          <a:lstStyle/>
+          <a:p>
+            <a:pPr algn="ctr"/>
+            <a:r>
+              <a:rPr lang="ko-KR" altLang="en-US" dirty="0" smtClean="0">
+                <a:solidFill>
+                  <a:schemeClr val="tx1"/>
+                </a:solidFill>
+              </a:rPr>
+              <a:t>외 </a:t>
+            </a:r>
+            <a:r>
+              <a:rPr lang="en-US" altLang="ko-KR" dirty="0" smtClean="0">
+                <a:solidFill>
+                  <a:schemeClr val="tx1"/>
+                </a:solidFill>
+              </a:rPr>
+              <a:t>1</a:t>
+            </a:r>
+            <a:r>
+              <a:rPr lang="ko-KR" altLang="en-US" dirty="0" smtClean="0">
+                <a:solidFill>
+                  <a:schemeClr val="tx1"/>
+                </a:solidFill>
+              </a:rPr>
+              <a:t>기</a:t>
+            </a:r>
+            <a:r>
+              <a:rPr lang="en-US" altLang="ko-KR" dirty="0" smtClean="0">
+                <a:solidFill>
+                  <a:schemeClr val="tx1"/>
+                </a:solidFill>
+              </a:rPr>
+              <a:t>, 2</a:t>
+            </a:r>
+            <a:r>
+              <a:rPr lang="ko-KR" altLang="en-US" dirty="0" smtClean="0">
+                <a:solidFill>
+                  <a:schemeClr val="tx1"/>
+                </a:solidFill>
+              </a:rPr>
+              <a:t>기 멤버</a:t>
+            </a:r>
+            <a:r>
+              <a:rPr lang="en-US" altLang="ko-KR" dirty="0" smtClean="0">
+                <a:solidFill>
+                  <a:schemeClr val="tx1"/>
+                </a:solidFill>
+              </a:rPr>
+              <a:t> </a:t>
+            </a:r>
+            <a:r>
+              <a:rPr lang="en-US" altLang="ko-KR" b="1" dirty="0" smtClean="0">
+                <a:solidFill>
+                  <a:schemeClr val="tx1"/>
+                </a:solidFill>
+              </a:rPr>
+              <a:t>16</a:t>
+            </a:r>
+            <a:r>
+              <a:rPr lang="ko-KR" altLang="en-US" b="1" dirty="0" smtClean="0">
+                <a:solidFill>
+                  <a:schemeClr val="tx1"/>
+                </a:solidFill>
+              </a:rPr>
+              <a:t>명</a:t>
+            </a:r>
+            <a:endParaRPr lang="ko-KR" altLang="en-US" b="1" dirty="0">
+              <a:solidFill>
+                <a:schemeClr val="tx1"/>
+              </a:solidFill>
+            </a:endParaRPr>
+          </a:p>
+        </p:txBody>
+      </p:sp>
+      <p:sp>
+        <p:nvSpPr>
+          <p:cNvPr id="19" name="오른쪽 화살표 18"/>
+          <p:cNvSpPr/>
+          <p:nvPr/>
+        </p:nvSpPr>
+        <p:spPr>
+          <a:xfrm rot="16200000">
+            <a:off x="5168494" y="4747618"/>
+            <a:ext cx="716182" cy="535013"/>
+          </a:xfrm>
+          <a:prstGeom prst="rightArrow">
+            <a:avLst/>
+          </a:prstGeom>
+          <a:solidFill>
+            <a:schemeClr val="tx2">
+              <a:lumMod val="60000"/>
+              <a:lumOff val="40000"/>
+            </a:schemeClr>
+          </a:solidFill>
+          <a:ln>
+            <a:solidFill>
+              <a:schemeClr val="tx2">
+                <a:lumMod val="60000"/>
+                <a:lumOff val="40000"/>
+              </a:schemeClr>
+            </a:solidFill>
+          </a:ln>
+        </p:spPr>
+        <p:style>
+          <a:lnRef idx="2">
+            <a:schemeClr val="accent1">
+              <a:shade val="50000"/>
+            </a:schemeClr>
+          </a:lnRef>
+          <a:fillRef idx="1">
+            <a:schemeClr val="accent1"/>
+          </a:fillRef>
+          <a:effectRef idx="0">
+            <a:schemeClr val="accent1"/>
+          </a:effectRef>
+          <a:fontRef idx="minor">
+            <a:schemeClr val="lt1"/>
+          </a:fontRef>
+        </p:style>
+        <p:txBody>
+          <a:bodyPr rtlCol="0" anchor="ctr"/>
+          <a:lstStyle/>
+          <a:p>
+            <a:pPr algn="ctr"/>
+            <a:endParaRPr lang="ko-KR" altLang="en-US"/>
+          </a:p>
+        </p:txBody>
+      </p:sp>
+      <p:sp>
+        <p:nvSpPr>
+          <p:cNvPr id="20" name="오른쪽 화살표 19"/>
+          <p:cNvSpPr/>
+          <p:nvPr/>
+        </p:nvSpPr>
+        <p:spPr>
+          <a:xfrm rot="16200000">
+            <a:off x="6634628" y="4747617"/>
+            <a:ext cx="716182" cy="535013"/>
+          </a:xfrm>
+          <a:prstGeom prst="rightArrow">
+            <a:avLst/>
+          </a:prstGeom>
+          <a:solidFill>
+            <a:schemeClr val="tx2">
+              <a:lumMod val="60000"/>
+              <a:lumOff val="40000"/>
+            </a:schemeClr>
+          </a:solidFill>
+          <a:ln>
+            <a:solidFill>
+              <a:schemeClr val="tx2">
+                <a:lumMod val="60000"/>
+                <a:lumOff val="40000"/>
+              </a:schemeClr>
+            </a:solidFill>
+          </a:ln>
+        </p:spPr>
+        <p:style>
+          <a:lnRef idx="2">
+            <a:schemeClr val="accent1">
+              <a:shade val="50000"/>
+            </a:schemeClr>
+          </a:lnRef>
+          <a:fillRef idx="1">
+            <a:schemeClr val="accent1"/>
+          </a:fillRef>
+          <a:effectRef idx="0">
+            <a:schemeClr val="accent1"/>
+          </a:effectRef>
+          <a:fontRef idx="minor">
+            <a:schemeClr val="lt1"/>
+          </a:fontRef>
+        </p:style>
+        <p:txBody>
+          <a:bodyPr rtlCol="0" anchor="ctr"/>
+          <a:lstStyle/>
+          <a:p>
+            <a:pPr algn="ctr"/>
+            <a:endParaRPr lang="ko-KR" altLang="en-US"/>
+          </a:p>
+        </p:txBody>
+      </p:sp>
+      <p:sp>
+        <p:nvSpPr>
+          <p:cNvPr id="21" name="오른쪽 화살표 20"/>
+          <p:cNvSpPr/>
+          <p:nvPr/>
+        </p:nvSpPr>
+        <p:spPr>
+          <a:xfrm rot="16200000">
+            <a:off x="3782506" y="4747617"/>
+            <a:ext cx="716182" cy="535013"/>
+          </a:xfrm>
+          <a:prstGeom prst="rightArrow">
+            <a:avLst/>
+          </a:prstGeom>
+          <a:solidFill>
+            <a:schemeClr val="tx2">
+              <a:lumMod val="60000"/>
+              <a:lumOff val="40000"/>
+            </a:schemeClr>
+          </a:solidFill>
+          <a:ln>
+            <a:solidFill>
+              <a:schemeClr val="tx2">
+                <a:lumMod val="60000"/>
+                <a:lumOff val="40000"/>
+              </a:schemeClr>
+            </a:solidFill>
+          </a:ln>
+        </p:spPr>
+        <p:style>
+          <a:lnRef idx="2">
+            <a:schemeClr val="accent1">
+              <a:shade val="50000"/>
+            </a:schemeClr>
+          </a:lnRef>
+          <a:fillRef idx="1">
+            <a:schemeClr val="accent1"/>
+          </a:fillRef>
+          <a:effectRef idx="0">
+            <a:schemeClr val="accent1"/>
+          </a:effectRef>
+          <a:fontRef idx="minor">
+            <a:schemeClr val="lt1"/>
+          </a:fontRef>
+        </p:style>
+        <p:txBody>
+          <a:bodyPr rtlCol="0" anchor="ctr"/>
+          <a:lstStyle/>
+          <a:p>
+            <a:pPr algn="ctr"/>
+            <a:endParaRPr lang="ko-KR" altLang="en-US"/>
+          </a:p>
+        </p:txBody>
+      </p:sp>
       <p:grpSp>
         <p:nvGrpSpPr>
-          <p:cNvPr id="7" name="그룹 6"/>
+          <p:cNvPr id="3" name="그룹 2"/>
           <p:cNvGrpSpPr/>
           <p:nvPr/>
         </p:nvGrpSpPr>
         <p:grpSpPr>
           <a:xfrm>
-            <a:off x="1601393" y="1902729"/>
-            <a:ext cx="5997250" cy="2646171"/>
-            <a:chOff x="827585" y="1936905"/>
-            <a:chExt cx="7409326" cy="3269223"/>
+            <a:off x="1601393" y="1628800"/>
+            <a:ext cx="5997250" cy="2817025"/>
+            <a:chOff x="1601393" y="1628800"/>
+            <a:chExt cx="5997250" cy="2817025"/>
           </a:xfrm>
         </p:grpSpPr>
         <p:pic>
@@ -4333,8 +4614,8 @@
           </p:blipFill>
           <p:spPr bwMode="auto">
             <a:xfrm>
-              <a:off x="3203848" y="2564904"/>
-              <a:ext cx="1494988" cy="1993318"/>
+              <a:off x="3524786" y="2137114"/>
+              <a:ext cx="1210072" cy="1613429"/>
             </a:xfrm>
             <a:prstGeom prst="rect">
               <a:avLst/>
@@ -4385,8 +4666,8 @@
           </p:blipFill>
           <p:spPr bwMode="auto">
             <a:xfrm>
-              <a:off x="4889204" y="2564904"/>
-              <a:ext cx="1637702" cy="1993318"/>
+              <a:off x="4888945" y="2137114"/>
+              <a:ext cx="1325587" cy="1613429"/>
             </a:xfrm>
             <a:prstGeom prst="rect">
               <a:avLst/>
@@ -4446,8 +4727,8 @@
           </p:blipFill>
           <p:spPr bwMode="auto">
             <a:xfrm>
-              <a:off x="6739730" y="2564904"/>
-              <a:ext cx="1497181" cy="1993318"/>
+              <a:off x="6386796" y="2137114"/>
+              <a:ext cx="1211847" cy="1613429"/>
             </a:xfrm>
             <a:prstGeom prst="rect">
               <a:avLst/>
@@ -4498,8 +4779,8 @@
           </p:blipFill>
           <p:spPr bwMode="auto">
             <a:xfrm>
-              <a:off x="827585" y="2564904"/>
-              <a:ext cx="1412078" cy="1993318"/>
+              <a:off x="1601393" y="2137114"/>
+              <a:ext cx="1142963" cy="1613429"/>
             </a:xfrm>
             <a:prstGeom prst="rect">
               <a:avLst/>
@@ -4524,8 +4805,8 @@
           </p:nvSpPr>
           <p:spPr>
             <a:xfrm>
-              <a:off x="882036" y="1936905"/>
-              <a:ext cx="1331250" cy="418268"/>
+              <a:off x="1645467" y="1628800"/>
+              <a:ext cx="1077539" cy="338554"/>
             </a:xfrm>
             <a:prstGeom prst="rect">
               <a:avLst/>
@@ -4555,8 +4836,8 @@
           </p:nvSpPr>
           <p:spPr>
             <a:xfrm>
-              <a:off x="4647599" y="1936905"/>
-              <a:ext cx="2091737" cy="418268"/>
+              <a:off x="4693385" y="1628800"/>
+              <a:ext cx="1693092" cy="338554"/>
             </a:xfrm>
             <a:prstGeom prst="rect">
               <a:avLst/>
@@ -4586,8 +4867,8 @@
           </p:nvSpPr>
           <p:spPr>
             <a:xfrm>
-              <a:off x="3299030" y="4787860"/>
-              <a:ext cx="1331250" cy="418268"/>
+              <a:off x="3601828" y="3861048"/>
+              <a:ext cx="1077538" cy="584775"/>
             </a:xfrm>
             <a:prstGeom prst="rect">
               <a:avLst/>
@@ -4603,7 +4884,19 @@
               <a:pPr algn="ctr"/>
               <a:r>
                 <a:rPr lang="ko-KR" altLang="en-US" sz="1600" dirty="0" smtClean="0"/>
-                <a:t>차량 로봇</a:t>
+                <a:t>김기훈 님</a:t>
+              </a:r>
+              <a:endParaRPr lang="en-US" altLang="ko-KR" sz="1600" dirty="0" smtClean="0"/>
+            </a:p>
+            <a:p>
+              <a:pPr algn="ctr"/>
+              <a:r>
+                <a:rPr lang="ko-KR" altLang="en-US" sz="1600" dirty="0" smtClean="0"/>
+                <a:t>차량 </a:t>
+              </a:r>
+              <a:r>
+                <a:rPr lang="ko-KR" altLang="en-US" sz="1600" dirty="0" smtClean="0"/>
+                <a:t>로봇</a:t>
               </a:r>
               <a:endParaRPr lang="ko-KR" altLang="en-US" sz="1600" dirty="0"/>
             </a:p>
@@ -4617,8 +4910,8 @@
           </p:nvSpPr>
           <p:spPr>
             <a:xfrm>
-              <a:off x="5011356" y="4787860"/>
-              <a:ext cx="1331250" cy="418268"/>
+              <a:off x="4987817" y="3861050"/>
+              <a:ext cx="1077538" cy="584775"/>
             </a:xfrm>
             <a:prstGeom prst="rect">
               <a:avLst/>
@@ -4634,7 +4927,19 @@
               <a:pPr algn="ctr"/>
               <a:r>
                 <a:rPr lang="ko-KR" altLang="en-US" sz="1600" dirty="0" smtClean="0"/>
-                <a:t>차량 로봇</a:t>
+                <a:t>백진철 님</a:t>
+              </a:r>
+              <a:endParaRPr lang="en-US" altLang="ko-KR" sz="1600" dirty="0" smtClean="0"/>
+            </a:p>
+            <a:p>
+              <a:pPr algn="ctr"/>
+              <a:r>
+                <a:rPr lang="ko-KR" altLang="en-US" sz="1600" dirty="0" smtClean="0"/>
+                <a:t>차량 </a:t>
+              </a:r>
+              <a:r>
+                <a:rPr lang="ko-KR" altLang="en-US" sz="1600" dirty="0" smtClean="0"/>
+                <a:t>로봇</a:t>
               </a:r>
               <a:endParaRPr lang="ko-KR" altLang="en-US" sz="1600" dirty="0"/>
             </a:p>
@@ -4648,8 +4953,8 @@
           </p:nvSpPr>
           <p:spPr>
             <a:xfrm>
-              <a:off x="6822697" y="4787860"/>
-              <a:ext cx="1331250" cy="418268"/>
+              <a:off x="6453951" y="3861050"/>
+              <a:ext cx="1077538" cy="584775"/>
             </a:xfrm>
             <a:prstGeom prst="rect">
               <a:avLst/>
@@ -4665,294 +4970,56 @@
               <a:pPr algn="ctr"/>
               <a:r>
                 <a:rPr lang="ko-KR" altLang="en-US" sz="1600" dirty="0" smtClean="0"/>
-                <a:t>산업 로봇</a:t>
+                <a:t>조동운 님</a:t>
+              </a:r>
+              <a:endParaRPr lang="en-US" altLang="ko-KR" sz="1600" dirty="0" smtClean="0"/>
+            </a:p>
+            <a:p>
+              <a:pPr algn="ctr"/>
+              <a:r>
+                <a:rPr lang="ko-KR" altLang="en-US" sz="1600" dirty="0" smtClean="0"/>
+                <a:t>산업 </a:t>
+              </a:r>
+              <a:r>
+                <a:rPr lang="ko-KR" altLang="en-US" sz="1600" dirty="0" smtClean="0"/>
+                <a:t>로봇</a:t>
+              </a:r>
+              <a:endParaRPr lang="ko-KR" altLang="en-US" sz="1600" dirty="0"/>
+            </a:p>
+          </p:txBody>
+        </p:sp>
+        <p:sp>
+          <p:nvSpPr>
+            <p:cNvPr id="18" name="TextBox 17"/>
+            <p:cNvSpPr txBox="1"/>
+            <p:nvPr/>
+          </p:nvSpPr>
+          <p:spPr>
+            <a:xfrm>
+              <a:off x="1784128" y="3861047"/>
+              <a:ext cx="800219" cy="338554"/>
+            </a:xfrm>
+            <a:prstGeom prst="rect">
+              <a:avLst/>
+            </a:prstGeom>
+            <a:noFill/>
+          </p:spPr>
+          <p:txBody>
+            <a:bodyPr wrap="none" rtlCol="0">
+              <a:spAutoFit/>
+            </a:bodyPr>
+            <a:lstStyle/>
+            <a:p>
+              <a:pPr algn="ctr"/>
+              <a:r>
+                <a:rPr lang="ko-KR" altLang="en-US" sz="1600" dirty="0" err="1" smtClean="0"/>
+                <a:t>정려운</a:t>
               </a:r>
               <a:endParaRPr lang="ko-KR" altLang="en-US" sz="1600" dirty="0"/>
             </a:p>
           </p:txBody>
         </p:sp>
       </p:grpSp>
-      <p:sp>
-        <p:nvSpPr>
-          <p:cNvPr id="17" name="모서리가 둥근 직사각형 16"/>
-          <p:cNvSpPr/>
-          <p:nvPr/>
-        </p:nvSpPr>
-        <p:spPr>
-          <a:xfrm>
-            <a:off x="3524785" y="5373216"/>
-            <a:ext cx="4029693" cy="1095079"/>
-          </a:xfrm>
-          <a:prstGeom prst="roundRect">
-            <a:avLst>
-              <a:gd name="adj" fmla="val 33720"/>
-            </a:avLst>
-          </a:prstGeom>
-          <a:noFill/>
-          <a:ln>
-            <a:solidFill>
-              <a:schemeClr val="tx2">
-                <a:lumMod val="60000"/>
-                <a:lumOff val="40000"/>
-              </a:schemeClr>
-            </a:solidFill>
-          </a:ln>
-        </p:spPr>
-        <p:style>
-          <a:lnRef idx="2">
-            <a:schemeClr val="accent1">
-              <a:shade val="50000"/>
-            </a:schemeClr>
-          </a:lnRef>
-          <a:fillRef idx="1">
-            <a:schemeClr val="accent1"/>
-          </a:fillRef>
-          <a:effectRef idx="0">
-            <a:schemeClr val="accent1"/>
-          </a:effectRef>
-          <a:fontRef idx="minor">
-            <a:schemeClr val="lt1"/>
-          </a:fontRef>
-        </p:style>
-        <p:txBody>
-          <a:bodyPr rtlCol="0" anchor="ctr"/>
-          <a:lstStyle/>
-          <a:p>
-            <a:pPr algn="ctr"/>
-            <a:r>
-              <a:rPr lang="ko-KR" altLang="en-US" dirty="0" smtClean="0">
-                <a:solidFill>
-                  <a:schemeClr val="tx1"/>
-                </a:solidFill>
-              </a:rPr>
-              <a:t>외 </a:t>
-            </a:r>
-            <a:r>
-              <a:rPr lang="en-US" altLang="ko-KR" dirty="0" smtClean="0">
-                <a:solidFill>
-                  <a:schemeClr val="tx1"/>
-                </a:solidFill>
-              </a:rPr>
-              <a:t>1</a:t>
-            </a:r>
-            <a:r>
-              <a:rPr lang="ko-KR" altLang="en-US" dirty="0" smtClean="0">
-                <a:solidFill>
-                  <a:schemeClr val="tx1"/>
-                </a:solidFill>
-              </a:rPr>
-              <a:t>기</a:t>
-            </a:r>
-            <a:r>
-              <a:rPr lang="en-US" altLang="ko-KR" dirty="0" smtClean="0">
-                <a:solidFill>
-                  <a:schemeClr val="tx1"/>
-                </a:solidFill>
-              </a:rPr>
-              <a:t>, 2</a:t>
-            </a:r>
-            <a:r>
-              <a:rPr lang="ko-KR" altLang="en-US" dirty="0" smtClean="0">
-                <a:solidFill>
-                  <a:schemeClr val="tx1"/>
-                </a:solidFill>
-              </a:rPr>
-              <a:t>기 멤버</a:t>
-            </a:r>
-            <a:r>
-              <a:rPr lang="en-US" altLang="ko-KR" dirty="0" smtClean="0">
-                <a:solidFill>
-                  <a:schemeClr val="tx1"/>
-                </a:solidFill>
-              </a:rPr>
-              <a:t> </a:t>
-            </a:r>
-            <a:r>
-              <a:rPr lang="en-US" altLang="ko-KR" b="1" dirty="0" smtClean="0">
-                <a:solidFill>
-                  <a:schemeClr val="tx1"/>
-                </a:solidFill>
-              </a:rPr>
-              <a:t>16</a:t>
-            </a:r>
-            <a:r>
-              <a:rPr lang="ko-KR" altLang="en-US" b="1" dirty="0" smtClean="0">
-                <a:solidFill>
-                  <a:schemeClr val="tx1"/>
-                </a:solidFill>
-              </a:rPr>
-              <a:t>명</a:t>
-            </a:r>
-            <a:endParaRPr lang="ko-KR" altLang="en-US" b="1" dirty="0">
-              <a:solidFill>
-                <a:schemeClr val="tx1"/>
-              </a:solidFill>
-            </a:endParaRPr>
-          </a:p>
-        </p:txBody>
-      </p:sp>
-      <p:sp>
-        <p:nvSpPr>
-          <p:cNvPr id="19" name="오른쪽 화살표 18"/>
-          <p:cNvSpPr/>
-          <p:nvPr/>
-        </p:nvSpPr>
-        <p:spPr>
-          <a:xfrm rot="16200000">
-            <a:off x="5168494" y="4747618"/>
-            <a:ext cx="716182" cy="535013"/>
-          </a:xfrm>
-          <a:prstGeom prst="rightArrow">
-            <a:avLst/>
-          </a:prstGeom>
-          <a:solidFill>
-            <a:schemeClr val="tx2">
-              <a:lumMod val="60000"/>
-              <a:lumOff val="40000"/>
-            </a:schemeClr>
-          </a:solidFill>
-          <a:ln>
-            <a:solidFill>
-              <a:schemeClr val="tx2">
-                <a:lumMod val="60000"/>
-                <a:lumOff val="40000"/>
-              </a:schemeClr>
-            </a:solidFill>
-          </a:ln>
-        </p:spPr>
-        <p:style>
-          <a:lnRef idx="2">
-            <a:schemeClr val="accent1">
-              <a:shade val="50000"/>
-            </a:schemeClr>
-          </a:lnRef>
-          <a:fillRef idx="1">
-            <a:schemeClr val="accent1"/>
-          </a:fillRef>
-          <a:effectRef idx="0">
-            <a:schemeClr val="accent1"/>
-          </a:effectRef>
-          <a:fontRef idx="minor">
-            <a:schemeClr val="lt1"/>
-          </a:fontRef>
-        </p:style>
-        <p:txBody>
-          <a:bodyPr rtlCol="0" anchor="ctr"/>
-          <a:lstStyle/>
-          <a:p>
-            <a:pPr algn="ctr"/>
-            <a:endParaRPr lang="ko-KR" altLang="en-US"/>
-          </a:p>
-        </p:txBody>
-      </p:sp>
-      <p:sp>
-        <p:nvSpPr>
-          <p:cNvPr id="20" name="오른쪽 화살표 19"/>
-          <p:cNvSpPr/>
-          <p:nvPr/>
-        </p:nvSpPr>
-        <p:spPr>
-          <a:xfrm rot="16200000">
-            <a:off x="6634628" y="4747617"/>
-            <a:ext cx="716182" cy="535013"/>
-          </a:xfrm>
-          <a:prstGeom prst="rightArrow">
-            <a:avLst/>
-          </a:prstGeom>
-          <a:solidFill>
-            <a:schemeClr val="tx2">
-              <a:lumMod val="60000"/>
-              <a:lumOff val="40000"/>
-            </a:schemeClr>
-          </a:solidFill>
-          <a:ln>
-            <a:solidFill>
-              <a:schemeClr val="tx2">
-                <a:lumMod val="60000"/>
-                <a:lumOff val="40000"/>
-              </a:schemeClr>
-            </a:solidFill>
-          </a:ln>
-        </p:spPr>
-        <p:style>
-          <a:lnRef idx="2">
-            <a:schemeClr val="accent1">
-              <a:shade val="50000"/>
-            </a:schemeClr>
-          </a:lnRef>
-          <a:fillRef idx="1">
-            <a:schemeClr val="accent1"/>
-          </a:fillRef>
-          <a:effectRef idx="0">
-            <a:schemeClr val="accent1"/>
-          </a:effectRef>
-          <a:fontRef idx="minor">
-            <a:schemeClr val="lt1"/>
-          </a:fontRef>
-        </p:style>
-        <p:txBody>
-          <a:bodyPr rtlCol="0" anchor="ctr"/>
-          <a:lstStyle/>
-          <a:p>
-            <a:pPr algn="ctr"/>
-            <a:endParaRPr lang="ko-KR" altLang="en-US"/>
-          </a:p>
-        </p:txBody>
-      </p:sp>
-      <p:sp>
-        <p:nvSpPr>
-          <p:cNvPr id="21" name="오른쪽 화살표 20"/>
-          <p:cNvSpPr/>
-          <p:nvPr/>
-        </p:nvSpPr>
-        <p:spPr>
-          <a:xfrm rot="16200000">
-            <a:off x="3782506" y="4747617"/>
-            <a:ext cx="716182" cy="535013"/>
-          </a:xfrm>
-          <a:prstGeom prst="rightArrow">
-            <a:avLst/>
-          </a:prstGeom>
-          <a:solidFill>
-            <a:schemeClr val="tx2">
-              <a:lumMod val="60000"/>
-              <a:lumOff val="40000"/>
-            </a:schemeClr>
-          </a:solidFill>
-          <a:ln>
-            <a:solidFill>
-              <a:schemeClr val="tx2">
-                <a:lumMod val="60000"/>
-                <a:lumOff val="40000"/>
-              </a:schemeClr>
-            </a:solidFill>
-          </a:ln>
-        </p:spPr>
-        <p:style>
-          <a:lnRef idx="2">
-            <a:schemeClr val="accent1">
-              <a:shade val="50000"/>
-            </a:schemeClr>
-          </a:lnRef>
-          <a:fillRef idx="1">
-            <a:schemeClr val="accent1"/>
-          </a:fillRef>
-          <a:effectRef idx="0">
-            <a:schemeClr val="accent1"/>
-          </a:effectRef>
-          <a:fontRef idx="minor">
-            <a:schemeClr val="lt1"/>
-          </a:fontRef>
-        </p:style>
-        <p:txBody>
-          <a:bodyPr rtlCol="0" anchor="ctr"/>
-          <a:lstStyle/>
-          <a:p>
-            <a:pPr algn="ctr"/>
-            <a:endParaRPr lang="ko-KR" altLang="en-US"/>
-          </a:p>
-        </p:txBody>
-      </p:sp>
     </p:spTree>
     <p:extLst>
       <p:ext uri="{BB962C8B-B14F-4D97-AF65-F5344CB8AC3E}">
@@ -5014,180 +5081,355 @@
           </a:p>
         </p:txBody>
       </p:sp>
-      <p:pic>
-        <p:nvPicPr>
-          <p:cNvPr id="4098" name="Picture 2"/>
-          <p:cNvPicPr>
-            <a:picLocks noChangeAspect="1" noChangeArrowheads="1"/>
-          </p:cNvPicPr>
+      <p:grpSp>
+        <p:nvGrpSpPr>
+          <p:cNvPr id="5" name="그룹 4"/>
+          <p:cNvGrpSpPr/>
           <p:nvPr/>
-        </p:nvPicPr>
-        <p:blipFill>
-          <a:blip r:embed="rId2" cstate="print">
+        </p:nvGrpSpPr>
+        <p:grpSpPr>
+          <a:xfrm>
+            <a:off x="820264" y="1628800"/>
+            <a:ext cx="7506344" cy="4909737"/>
+            <a:chOff x="820264" y="1628800"/>
+            <a:chExt cx="7506344" cy="4909737"/>
+          </a:xfrm>
+        </p:grpSpPr>
+        <p:pic>
+          <p:nvPicPr>
+            <p:cNvPr id="4098" name="Picture 2"/>
+            <p:cNvPicPr>
+              <a:picLocks noChangeAspect="1" noChangeArrowheads="1"/>
+            </p:cNvPicPr>
+            <p:nvPr/>
+          </p:nvPicPr>
+          <p:blipFill>
+            <a:blip r:embed="rId2" cstate="print">
+              <a:extLst>
+                <a:ext uri="{28A0092B-C50C-407E-A947-70E740481C1C}">
+                  <a14:useLocalDpi xmlns:a14="http://schemas.microsoft.com/office/drawing/2010/main" val="0"/>
+                </a:ext>
+              </a:extLst>
+            </a:blip>
+            <a:srcRect/>
+            <a:stretch>
+              <a:fillRect/>
+            </a:stretch>
+          </p:blipFill>
+          <p:spPr bwMode="auto">
+            <a:xfrm>
+              <a:off x="826941" y="1628800"/>
+              <a:ext cx="2799618" cy="1571664"/>
+            </a:xfrm>
+            <a:prstGeom prst="rect">
+              <a:avLst/>
+            </a:prstGeom>
+            <a:noFill/>
+            <a:ln>
+              <a:noFill/>
+            </a:ln>
             <a:extLst>
-              <a:ext uri="{28A0092B-C50C-407E-A947-70E740481C1C}">
-                <a14:useLocalDpi xmlns:a14="http://schemas.microsoft.com/office/drawing/2010/main" val="0"/>
+              <a:ext uri="{909E8E84-426E-40DD-AFC4-6F175D3DCCD1}">
+                <a14:hiddenFill xmlns:a14="http://schemas.microsoft.com/office/drawing/2010/main">
+                  <a:solidFill>
+                    <a:schemeClr val="accent1"/>
+                  </a:solidFill>
+                </a14:hiddenFill>
+              </a:ext>
+              <a:ext uri="{91240B29-F687-4F45-9708-019B960494DF}">
+                <a14:hiddenLine xmlns:a14="http://schemas.microsoft.com/office/drawing/2010/main" w="9525">
+                  <a:solidFill>
+                    <a:schemeClr val="tx1"/>
+                  </a:solidFill>
+                  <a:miter lim="800000"/>
+                  <a:headEnd/>
+                  <a:tailEnd/>
+                </a14:hiddenLine>
               </a:ext>
             </a:extLst>
-          </a:blip>
-          <a:srcRect/>
-          <a:stretch>
-            <a:fillRect/>
-          </a:stretch>
-        </p:blipFill>
-        <p:spPr bwMode="auto">
-          <a:xfrm>
-            <a:off x="971600" y="1628800"/>
-            <a:ext cx="3848053" cy="2160240"/>
-          </a:xfrm>
-          <a:prstGeom prst="rect">
-            <a:avLst/>
-          </a:prstGeom>
-          <a:noFill/>
-          <a:ln>
+          </p:spPr>
+        </p:pic>
+        <p:pic>
+          <p:nvPicPr>
+            <p:cNvPr id="15" name="그림 14">
+              <a:extLst>
+                <a:ext uri="{FF2B5EF4-FFF2-40B4-BE49-F238E27FC236}">
+                  <a16:creationId xmlns="" xmlns:a16="http://schemas.microsoft.com/office/drawing/2014/main" id="{BA48AD75-2DD2-4F21-8796-DA9434E956A3}"/>
+                </a:ext>
+              </a:extLst>
+            </p:cNvPr>
+            <p:cNvPicPr>
+              <a:picLocks noChangeAspect="1"/>
+            </p:cNvPicPr>
+            <p:nvPr/>
+          </p:nvPicPr>
+          <p:blipFill>
+            <a:blip r:embed="rId3" cstate="print">
+              <a:extLst>
+                <a:ext uri="{28A0092B-C50C-407E-A947-70E740481C1C}">
+                  <a14:useLocalDpi xmlns:a14="http://schemas.microsoft.com/office/drawing/2010/main" val="0"/>
+                </a:ext>
+              </a:extLst>
+            </a:blip>
+            <a:stretch>
+              <a:fillRect/>
+            </a:stretch>
+          </p:blipFill>
+          <p:spPr>
+            <a:xfrm rot="16200000">
+              <a:off x="4128583" y="3094541"/>
+              <a:ext cx="1578540" cy="2104720"/>
+            </a:xfrm>
+            <a:prstGeom prst="rect">
+              <a:avLst/>
+            </a:prstGeom>
+          </p:spPr>
+        </p:pic>
+        <p:pic>
+          <p:nvPicPr>
+            <p:cNvPr id="16" name="그림 15">
+              <a:extLst>
+                <a:ext uri="{FF2B5EF4-FFF2-40B4-BE49-F238E27FC236}">
+                  <a16:creationId xmlns="" xmlns:a16="http://schemas.microsoft.com/office/drawing/2014/main" id="{3C03078F-6276-437A-B057-04DF36A66F61}"/>
+                </a:ext>
+              </a:extLst>
+            </p:cNvPr>
+            <p:cNvPicPr>
+              <a:picLocks noChangeAspect="1"/>
+            </p:cNvPicPr>
+            <p:nvPr/>
+          </p:nvPicPr>
+          <p:blipFill>
+            <a:blip r:embed="rId4" cstate="print">
+              <a:extLst>
+                <a:ext uri="{28A0092B-C50C-407E-A947-70E740481C1C}">
+                  <a14:useLocalDpi xmlns:a14="http://schemas.microsoft.com/office/drawing/2010/main" val="0"/>
+                </a:ext>
+              </a:extLst>
+            </a:blip>
+            <a:stretch>
+              <a:fillRect/>
+            </a:stretch>
+          </p:blipFill>
+          <p:spPr>
+            <a:xfrm>
+              <a:off x="3874661" y="1628800"/>
+              <a:ext cx="2095551" cy="1571664"/>
+            </a:xfrm>
+            <a:prstGeom prst="rect">
+              <a:avLst/>
+            </a:prstGeom>
+          </p:spPr>
+        </p:pic>
+        <p:pic>
+          <p:nvPicPr>
+            <p:cNvPr id="6" name="Picture 8" descr="Image may contain: 1 person, screen and indoor"/>
+            <p:cNvPicPr>
+              <a:picLocks noChangeAspect="1" noChangeArrowheads="1"/>
+            </p:cNvPicPr>
+            <p:nvPr/>
+          </p:nvPicPr>
+          <p:blipFill rotWithShape="1">
+            <a:blip r:embed="rId5" cstate="print">
+              <a:extLst>
+                <a:ext uri="{BEBA8EAE-BF5A-486C-A8C5-ECC9F3942E4B}">
+                  <a14:imgProps xmlns:a14="http://schemas.microsoft.com/office/drawing/2010/main">
+                    <a14:imgLayer r:embed="rId6">
+                      <a14:imgEffect>
+                        <a14:brightnessContrast bright="14000"/>
+                      </a14:imgEffect>
+                    </a14:imgLayer>
+                  </a14:imgProps>
+                </a:ext>
+                <a:ext uri="{28A0092B-C50C-407E-A947-70E740481C1C}">
+                  <a14:useLocalDpi xmlns:a14="http://schemas.microsoft.com/office/drawing/2010/main" val="0"/>
+                </a:ext>
+              </a:extLst>
+            </a:blip>
+            <a:srcRect t="22086" b="2914"/>
+            <a:stretch/>
+          </p:blipFill>
+          <p:spPr bwMode="auto">
+            <a:xfrm>
+              <a:off x="820264" y="3357630"/>
+              <a:ext cx="2806295" cy="1578541"/>
+            </a:xfrm>
+            <a:prstGeom prst="rect">
+              <a:avLst/>
+            </a:prstGeom>
             <a:noFill/>
-          </a:ln>
-          <a:extLst>
-            <a:ext uri="{909E8E84-426E-40DD-AFC4-6F175D3DCCD1}">
-              <a14:hiddenFill xmlns:a14="http://schemas.microsoft.com/office/drawing/2010/main">
-                <a:solidFill>
-                  <a:schemeClr val="accent1"/>
-                </a:solidFill>
-              </a14:hiddenFill>
-            </a:ext>
-            <a:ext uri="{91240B29-F687-4F45-9708-019B960494DF}">
-              <a14:hiddenLine xmlns:a14="http://schemas.microsoft.com/office/drawing/2010/main" w="9525">
-                <a:solidFill>
-                  <a:schemeClr val="tx1"/>
-                </a:solidFill>
-                <a:miter lim="800000"/>
-                <a:headEnd/>
-                <a:tailEnd/>
-              </a14:hiddenLine>
-            </a:ext>
-          </a:extLst>
-        </p:spPr>
-      </p:pic>
-      <p:pic>
-        <p:nvPicPr>
-          <p:cNvPr id="15" name="그림 14">
             <a:extLst>
-              <a:ext uri="{FF2B5EF4-FFF2-40B4-BE49-F238E27FC236}">
-                <a16:creationId xmlns="" xmlns:a16="http://schemas.microsoft.com/office/drawing/2014/main" id="{BA48AD75-2DD2-4F21-8796-DA9434E956A3}"/>
+              <a:ext uri="{909E8E84-426E-40DD-AFC4-6F175D3DCCD1}">
+                <a14:hiddenFill xmlns:a14="http://schemas.microsoft.com/office/drawing/2010/main">
+                  <a:solidFill>
+                    <a:srgbClr val="FFFFFF"/>
+                  </a:solidFill>
+                </a14:hiddenFill>
               </a:ext>
             </a:extLst>
-          </p:cNvPr>
-          <p:cNvPicPr>
-            <a:picLocks noChangeAspect="1"/>
-          </p:cNvPicPr>
-          <p:nvPr/>
-        </p:nvPicPr>
-        <p:blipFill>
-          <a:blip r:embed="rId3" cstate="print">
+          </p:spPr>
+        </p:pic>
+        <p:pic>
+          <p:nvPicPr>
+            <p:cNvPr id="1026" name="Picture 2" descr="https://github.com/ROBOTIS-GIT/ROBOTIS-Documents/raw/master/wiki-images/AutoRace/autorace_pics/autorace_rbiz_challenge_2017_robots_1.png"/>
+            <p:cNvPicPr>
+              <a:picLocks noChangeAspect="1" noChangeArrowheads="1"/>
+            </p:cNvPicPr>
+            <p:nvPr/>
+          </p:nvPicPr>
+          <p:blipFill>
+            <a:blip r:embed="rId7" cstate="print">
+              <a:extLst>
+                <a:ext uri="{28A0092B-C50C-407E-A947-70E740481C1C}">
+                  <a14:useLocalDpi xmlns:a14="http://schemas.microsoft.com/office/drawing/2010/main" val="0"/>
+                </a:ext>
+              </a:extLst>
+            </a:blip>
+            <a:srcRect/>
+            <a:stretch>
+              <a:fillRect/>
+            </a:stretch>
+          </p:blipFill>
+          <p:spPr bwMode="auto">
+            <a:xfrm>
+              <a:off x="826940" y="5085184"/>
+              <a:ext cx="5143271" cy="1453353"/>
+            </a:xfrm>
+            <a:prstGeom prst="rect">
+              <a:avLst/>
+            </a:prstGeom>
+            <a:noFill/>
             <a:extLst>
-              <a:ext uri="{28A0092B-C50C-407E-A947-70E740481C1C}">
-                <a14:useLocalDpi xmlns:a14="http://schemas.microsoft.com/office/drawing/2010/main" val="0"/>
+              <a:ext uri="{909E8E84-426E-40DD-AFC4-6F175D3DCCD1}">
+                <a14:hiddenFill xmlns:a14="http://schemas.microsoft.com/office/drawing/2010/main">
+                  <a:solidFill>
+                    <a:srgbClr val="FFFFFF"/>
+                  </a:solidFill>
+                </a14:hiddenFill>
               </a:ext>
             </a:extLst>
-          </a:blip>
-          <a:stretch>
-            <a:fillRect/>
-          </a:stretch>
-        </p:blipFill>
-        <p:spPr>
-          <a:xfrm rot="16200000">
-            <a:off x="5509681" y="3643449"/>
-            <a:ext cx="2169691" cy="2892921"/>
-          </a:xfrm>
-          <a:prstGeom prst="rect">
-            <a:avLst/>
-          </a:prstGeom>
-        </p:spPr>
-      </p:pic>
-      <p:pic>
-        <p:nvPicPr>
-          <p:cNvPr id="16" name="그림 15">
+          </p:spPr>
+        </p:pic>
+        <p:pic>
+          <p:nvPicPr>
+            <p:cNvPr id="1028" name="Picture 4" descr="https://cafeptthumb-phinf.pstatic.net/MjAxNzA0MDZfMTEx/MDAxNDkxNDQyNjYyMTk1.2jJrVj12R6Krmpn22R1MHK-G2PdXJsBFT2WI-bsrskYg.GfGGCHh8JwO-d3W8iOents_CQ5RYC1QI0xWi6obXK30g.JPEG.redragonfly3/IMG_3246.JPG?type=w740"/>
+            <p:cNvPicPr>
+              <a:picLocks noChangeAspect="1" noChangeArrowheads="1"/>
+            </p:cNvPicPr>
+            <p:nvPr/>
+          </p:nvPicPr>
+          <p:blipFill>
+            <a:blip r:embed="rId8" cstate="print">
+              <a:extLst>
+                <a:ext uri="{28A0092B-C50C-407E-A947-70E740481C1C}">
+                  <a14:useLocalDpi xmlns:a14="http://schemas.microsoft.com/office/drawing/2010/main" val="0"/>
+                </a:ext>
+              </a:extLst>
+            </a:blip>
+            <a:srcRect/>
+            <a:stretch>
+              <a:fillRect/>
+            </a:stretch>
+          </p:blipFill>
+          <p:spPr bwMode="auto">
+            <a:xfrm>
+              <a:off x="6220864" y="1628800"/>
+              <a:ext cx="2095552" cy="1571664"/>
+            </a:xfrm>
+            <a:prstGeom prst="rect">
+              <a:avLst/>
+            </a:prstGeom>
+            <a:noFill/>
             <a:extLst>
-              <a:ext uri="{FF2B5EF4-FFF2-40B4-BE49-F238E27FC236}">
-                <a16:creationId xmlns="" xmlns:a16="http://schemas.microsoft.com/office/drawing/2014/main" id="{3C03078F-6276-437A-B057-04DF36A66F61}"/>
+              <a:ext uri="{909E8E84-426E-40DD-AFC4-6F175D3DCCD1}">
+                <a14:hiddenFill xmlns:a14="http://schemas.microsoft.com/office/drawing/2010/main">
+                  <a:solidFill>
+                    <a:srgbClr val="FFFFFF"/>
+                  </a:solidFill>
+                </a14:hiddenFill>
               </a:ext>
             </a:extLst>
-          </p:cNvPr>
-          <p:cNvPicPr>
-            <a:picLocks noChangeAspect="1"/>
-          </p:cNvPicPr>
-          <p:nvPr/>
-        </p:nvPicPr>
-        <p:blipFill>
-          <a:blip r:embed="rId4" cstate="print">
+          </p:spPr>
+        </p:pic>
+        <p:pic>
+          <p:nvPicPr>
+            <p:cNvPr id="1030" name="Picture 6" descr="https://cafeptthumb-phinf.pstatic.net/MjAxNzA0MjdfMjEz/MDAxNDkzMjc3NDYzODkw.xXiR7jusluogaFgU8THv58H0sqNFZBMsCLs1LYn-bvYg.Rvo2505xx-rvgF9IkjBuATarhZtJwGcsyvY1zww3UHgg.JPEG.redragonfly3/KakaoTalk_20170427_161133420.jpg?type=w740"/>
+            <p:cNvPicPr>
+              <a:picLocks noChangeAspect="1" noChangeArrowheads="1"/>
+            </p:cNvPicPr>
+            <p:nvPr/>
+          </p:nvPicPr>
+          <p:blipFill rotWithShape="1">
+            <a:blip r:embed="rId9" cstate="print">
+              <a:extLst>
+                <a:ext uri="{28A0092B-C50C-407E-A947-70E740481C1C}">
+                  <a14:useLocalDpi xmlns:a14="http://schemas.microsoft.com/office/drawing/2010/main" val="0"/>
+                </a:ext>
+              </a:extLst>
+            </a:blip>
+            <a:srcRect t="16381" b="26691"/>
+            <a:stretch/>
+          </p:blipFill>
+          <p:spPr bwMode="auto">
+            <a:xfrm>
+              <a:off x="6220863" y="3357631"/>
+              <a:ext cx="2105745" cy="1598862"/>
+            </a:xfrm>
+            <a:prstGeom prst="rect">
+              <a:avLst/>
+            </a:prstGeom>
+            <a:noFill/>
             <a:extLst>
-              <a:ext uri="{28A0092B-C50C-407E-A947-70E740481C1C}">
-                <a14:useLocalDpi xmlns:a14="http://schemas.microsoft.com/office/drawing/2010/main" val="0"/>
+              <a:ext uri="{909E8E84-426E-40DD-AFC4-6F175D3DCCD1}">
+                <a14:hiddenFill xmlns:a14="http://schemas.microsoft.com/office/drawing/2010/main">
+                  <a:solidFill>
+                    <a:srgbClr val="FFFFFF"/>
+                  </a:solidFill>
+                </a14:hiddenFill>
               </a:ext>
             </a:extLst>
-          </a:blip>
-          <a:stretch>
-            <a:fillRect/>
-          </a:stretch>
-        </p:blipFill>
-        <p:spPr>
-          <a:xfrm>
-            <a:off x="5160667" y="1628800"/>
-            <a:ext cx="2880318" cy="2160240"/>
-          </a:xfrm>
-          <a:prstGeom prst="rect">
-            <a:avLst/>
-          </a:prstGeom>
-        </p:spPr>
-      </p:pic>
-      <p:pic>
-        <p:nvPicPr>
-          <p:cNvPr id="6" name="Picture 8" descr="Image may contain: 1 person, screen and indoor"/>
-          <p:cNvPicPr>
-            <a:picLocks noChangeAspect="1" noChangeArrowheads="1"/>
-          </p:cNvPicPr>
-          <p:nvPr/>
-        </p:nvPicPr>
-        <p:blipFill rotWithShape="1">
-          <a:blip r:embed="rId5" cstate="print">
+          </p:spPr>
+        </p:pic>
+        <p:pic>
+          <p:nvPicPr>
+            <p:cNvPr id="1032" name="Picture 8" descr="https://cafeptthumb-phinf.pstatic.net/MjAxNzA1MTJfMjQz/MDAxNDk0NTk0MjI4NDAy.a_Z0mzha3xU42f0nSF7Vb1P8MHQwoubgB5mbsZ5re_og.lKXDmPZUqXHKbOprUDNQP4S1R-XAZaJfuTh8B3nL2Fsg.JPEG.redragonfly3/IMG_4986.JPG?type=w740"/>
+            <p:cNvPicPr>
+              <a:picLocks noChangeAspect="1" noChangeArrowheads="1"/>
+            </p:cNvPicPr>
+            <p:nvPr/>
+          </p:nvPicPr>
+          <p:blipFill rotWithShape="1">
+            <a:blip r:embed="rId10">
+              <a:extLst>
+                <a:ext uri="{28A0092B-C50C-407E-A947-70E740481C1C}">
+                  <a14:useLocalDpi xmlns:a14="http://schemas.microsoft.com/office/drawing/2010/main" val="0"/>
+                </a:ext>
+              </a:extLst>
+            </a:blip>
+            <a:srcRect l="44764" t="5648" r="1" b="43025"/>
+            <a:stretch/>
+          </p:blipFill>
+          <p:spPr bwMode="auto">
+            <a:xfrm>
+              <a:off x="6225965" y="5085184"/>
+              <a:ext cx="2085350" cy="1453353"/>
+            </a:xfrm>
+            <a:prstGeom prst="rect">
+              <a:avLst/>
+            </a:prstGeom>
+            <a:noFill/>
             <a:extLst>
-              <a:ext uri="{BEBA8EAE-BF5A-486C-A8C5-ECC9F3942E4B}">
-                <a14:imgProps xmlns:a14="http://schemas.microsoft.com/office/drawing/2010/main">
-                  <a14:imgLayer r:embed="rId6">
-                    <a14:imgEffect>
-                      <a14:brightnessContrast bright="14000"/>
-                    </a14:imgEffect>
-                  </a14:imgLayer>
-                </a14:imgProps>
-              </a:ext>
-              <a:ext uri="{28A0092B-C50C-407E-A947-70E740481C1C}">
-                <a14:useLocalDpi xmlns:a14="http://schemas.microsoft.com/office/drawing/2010/main" val="0"/>
+              <a:ext uri="{909E8E84-426E-40DD-AFC4-6F175D3DCCD1}">
+                <a14:hiddenFill xmlns:a14="http://schemas.microsoft.com/office/drawing/2010/main">
+                  <a:solidFill>
+                    <a:srgbClr val="FFFFFF"/>
+                  </a:solidFill>
+                </a14:hiddenFill>
               </a:ext>
             </a:extLst>
-          </a:blip>
-          <a:srcRect t="22086" b="2914"/>
-          <a:stretch/>
-        </p:blipFill>
-        <p:spPr bwMode="auto">
-          <a:xfrm>
-            <a:off x="962423" y="4005063"/>
-            <a:ext cx="3857230" cy="2169692"/>
-          </a:xfrm>
-          <a:prstGeom prst="rect">
-            <a:avLst/>
-          </a:prstGeom>
-          <a:noFill/>
-          <a:extLst>
-            <a:ext uri="{909E8E84-426E-40DD-AFC4-6F175D3DCCD1}">
-              <a14:hiddenFill xmlns:a14="http://schemas.microsoft.com/office/drawing/2010/main">
-                <a:solidFill>
-                  <a:srgbClr val="FFFFFF"/>
-                </a:solidFill>
-              </a14:hiddenFill>
-            </a:ext>
-          </a:extLst>
-        </p:spPr>
-      </p:pic>
+          </p:spPr>
+        </p:pic>
+      </p:grpSp>
     </p:spTree>
     <p:extLst>
       <p:ext uri="{BB962C8B-B14F-4D97-AF65-F5344CB8AC3E}">
@@ -5362,8 +5604,29 @@
             </a:r>
             <a:r>
               <a:rPr lang="en-US" altLang="ko-KR" sz="2400" dirty="0" smtClean="0"/>
-              <a:t> (Camera)</a:t>
-            </a:r>
+              <a:t> </a:t>
+            </a:r>
+            <a:r>
+              <a:rPr lang="en-US" altLang="ko-KR" sz="2400" dirty="0" smtClean="0"/>
+              <a:t>(</a:t>
+            </a:r>
+            <a:r>
+              <a:rPr lang="en-US" altLang="ko-KR" sz="2400" dirty="0" smtClean="0"/>
+              <a:t>ROS</a:t>
+            </a:r>
+            <a:r>
+              <a:rPr lang="ko-KR" altLang="en-US" sz="2400" dirty="0" smtClean="0"/>
+              <a:t>↔</a:t>
+            </a:r>
+            <a:r>
+              <a:rPr lang="en-US" altLang="ko-KR" sz="2400" dirty="0" err="1" smtClean="0"/>
+              <a:t>OpenCV</a:t>
+            </a:r>
+            <a:r>
+              <a:rPr lang="en-US" altLang="ko-KR" sz="2400" dirty="0" smtClean="0"/>
+              <a:t>)</a:t>
+            </a:r>
+            <a:endParaRPr lang="en-US" altLang="ko-KR" sz="2400" dirty="0" smtClean="0"/>
           </a:p>
           <a:p>
             <a:r>
@@ -5380,7 +5643,23 @@
             </a:r>
             <a:r>
               <a:rPr lang="en-US" altLang="ko-KR" sz="2400" dirty="0" smtClean="0"/>
-              <a:t> ()</a:t>
+              <a:t> </a:t>
+            </a:r>
+            <a:r>
+              <a:rPr lang="en-US" altLang="ko-KR" sz="2400" dirty="0"/>
+              <a:t>(ROS</a:t>
+            </a:r>
+            <a:r>
+              <a:rPr lang="ko-KR" altLang="en-US" sz="2400" dirty="0" smtClean="0"/>
+              <a:t>↔</a:t>
+            </a:r>
+            <a:r>
+              <a:rPr lang="en-US" altLang="ko-KR" sz="2400" dirty="0" err="1" smtClean="0"/>
+              <a:t>TensorFlow</a:t>
+            </a:r>
+            <a:r>
+              <a:rPr lang="en-US" altLang="ko-KR" sz="2400" dirty="0" smtClean="0"/>
+              <a:t>)</a:t>
             </a:r>
             <a:r>
               <a:rPr lang="ko-KR" altLang="en-US" sz="2400" dirty="0" smtClean="0"/>
@@ -5411,51 +5690,81 @@
             </a:r>
             <a:r>
               <a:rPr lang="en-US" altLang="ko-KR" sz="2400" dirty="0" smtClean="0"/>
-              <a:t> (Gazebo </a:t>
+              <a:t> </a:t>
+            </a:r>
+            <a:r>
+              <a:rPr lang="en-US" altLang="ko-KR" sz="2400" dirty="0"/>
+              <a:t>(ROS</a:t>
             </a:r>
             <a:r>
               <a:rPr lang="ko-KR" altLang="en-US" sz="2400" dirty="0" smtClean="0"/>
-              <a:t>모델링</a:t>
-            </a:r>
-            <a:r>
-              <a:rPr lang="en-US" altLang="ko-KR" sz="2400" dirty="0"/>
-              <a:t>/</a:t>
+              <a:t>↔</a:t>
+            </a:r>
+            <a:r>
+              <a:rPr lang="en-US" altLang="ko-KR" sz="2400" dirty="0" smtClean="0"/>
+              <a:t>Gazebo)</a:t>
+            </a:r>
+            <a:endParaRPr lang="en-US" altLang="ko-KR" sz="2400" dirty="0" smtClean="0"/>
+          </a:p>
+          <a:p>
+            <a:r>
+              <a:rPr lang="en-US" altLang="ko-KR" sz="2400" dirty="0" smtClean="0"/>
+              <a:t>2018/05/16 – ROS </a:t>
             </a:r>
             <a:r>
               <a:rPr lang="ko-KR" altLang="en-US" sz="2400" dirty="0" smtClean="0"/>
-              <a:t>시뮬레이션</a:t>
+              <a:t>강의 </a:t>
+            </a:r>
+            <a:r>
+              <a:rPr lang="en-US" altLang="ko-KR" sz="2400" dirty="0" smtClean="0"/>
+              <a:t>6 (ROS</a:t>
+            </a:r>
+            <a:r>
+              <a:rPr lang="ko-KR" altLang="en-US" sz="2400" dirty="0" smtClean="0"/>
+              <a:t>↔미정</a:t>
             </a:r>
             <a:r>
               <a:rPr lang="en-US" altLang="ko-KR" sz="2400" dirty="0" smtClean="0"/>
               <a:t>)</a:t>
             </a:r>
+            <a:endParaRPr lang="en-US" altLang="ko-KR" sz="2400" dirty="0" smtClean="0"/>
           </a:p>
           <a:p>
             <a:r>
               <a:rPr lang="en-US" altLang="ko-KR" sz="2400" dirty="0" smtClean="0"/>
-              <a:t>2018/05/16 – ROS APP </a:t>
+              <a:t>2018/05/23 – ROS </a:t>
             </a:r>
             <a:r>
               <a:rPr lang="ko-KR" altLang="en-US" sz="2400" dirty="0" smtClean="0"/>
-              <a:t>발표</a:t>
+              <a:t>강의 </a:t>
             </a:r>
             <a:r>
               <a:rPr lang="en-US" altLang="ko-KR" sz="2400" dirty="0" smtClean="0"/>
-              <a:t> 1 ()</a:t>
-            </a:r>
-          </a:p>
-          <a:p>
+              <a:t>7</a:t>
+            </a:r>
             <a:r>
               <a:rPr lang="en-US" altLang="ko-KR" sz="2400" dirty="0" smtClean="0"/>
-              <a:t>2018/05/23 – ROS APP </a:t>
+              <a:t> </a:t>
+            </a:r>
+            <a:r>
+              <a:rPr lang="en-US" altLang="ko-KR" sz="2400" dirty="0" smtClean="0"/>
+              <a:t>(</a:t>
+            </a:r>
+            <a:r>
+              <a:rPr lang="en-US" altLang="ko-KR" sz="2400" dirty="0" smtClean="0"/>
+              <a:t>ROS</a:t>
             </a:r>
             <a:r>
               <a:rPr lang="ko-KR" altLang="en-US" sz="2400" dirty="0" smtClean="0"/>
-              <a:t>발표 </a:t>
+              <a:t>↔</a:t>
             </a:r>
             <a:r>
               <a:rPr lang="en-US" altLang="ko-KR" sz="2400" dirty="0" smtClean="0"/>
-              <a:t>2 ()</a:t>
+              <a:t>Java, Android</a:t>
+            </a:r>
+            <a:r>
+              <a:rPr lang="en-US" altLang="ko-KR" sz="2400" dirty="0" smtClean="0"/>
+              <a:t>)</a:t>
             </a:r>
           </a:p>
           <a:p>

--- a/auturbo_2018_spring/auturbo_2018_spring_week1.pptx
+++ b/auturbo_2018_spring/auturbo_2018_spring_week1.pptx
@@ -4892,11 +4892,7 @@
               <a:pPr algn="ctr"/>
               <a:r>
                 <a:rPr lang="ko-KR" altLang="en-US" sz="1600" dirty="0" smtClean="0"/>
-                <a:t>차량 </a:t>
-              </a:r>
-              <a:r>
-                <a:rPr lang="ko-KR" altLang="en-US" sz="1600" dirty="0" smtClean="0"/>
-                <a:t>로봇</a:t>
+                <a:t>차량 로봇</a:t>
               </a:r>
               <a:endParaRPr lang="ko-KR" altLang="en-US" sz="1600" dirty="0"/>
             </a:p>
@@ -4935,11 +4931,7 @@
               <a:pPr algn="ctr"/>
               <a:r>
                 <a:rPr lang="ko-KR" altLang="en-US" sz="1600" dirty="0" smtClean="0"/>
-                <a:t>차량 </a:t>
-              </a:r>
-              <a:r>
-                <a:rPr lang="ko-KR" altLang="en-US" sz="1600" dirty="0" smtClean="0"/>
-                <a:t>로봇</a:t>
+                <a:t>차량 로봇</a:t>
               </a:r>
               <a:endParaRPr lang="ko-KR" altLang="en-US" sz="1600" dirty="0"/>
             </a:p>
@@ -4978,11 +4970,7 @@
               <a:pPr algn="ctr"/>
               <a:r>
                 <a:rPr lang="ko-KR" altLang="en-US" sz="1600" dirty="0" smtClean="0"/>
-                <a:t>산업 </a:t>
-              </a:r>
-              <a:r>
-                <a:rPr lang="ko-KR" altLang="en-US" sz="1600" dirty="0" smtClean="0"/>
-                <a:t>로봇</a:t>
+                <a:t>산업 로봇</a:t>
               </a:r>
               <a:endParaRPr lang="ko-KR" altLang="en-US" sz="1600" dirty="0"/>
             </a:p>
@@ -5604,15 +5592,7 @@
             </a:r>
             <a:r>
               <a:rPr lang="en-US" altLang="ko-KR" sz="2400" dirty="0" smtClean="0"/>
-              <a:t> </a:t>
-            </a:r>
-            <a:r>
-              <a:rPr lang="en-US" altLang="ko-KR" sz="2400" dirty="0" smtClean="0"/>
-              <a:t>(</a:t>
-            </a:r>
-            <a:r>
-              <a:rPr lang="en-US" altLang="ko-KR" sz="2400" dirty="0" smtClean="0"/>
-              <a:t>ROS</a:t>
+              <a:t> (ROS</a:t>
             </a:r>
             <a:r>
               <a:rPr lang="ko-KR" altLang="en-US" sz="2400" dirty="0" smtClean="0"/>
@@ -5626,7 +5606,6 @@
               <a:rPr lang="en-US" altLang="ko-KR" sz="2400" dirty="0" smtClean="0"/>
               <a:t>)</a:t>
             </a:r>
-            <a:endParaRPr lang="en-US" altLang="ko-KR" sz="2400" dirty="0" smtClean="0"/>
           </a:p>
           <a:p>
             <a:r>
@@ -5704,7 +5683,6 @@
               <a:rPr lang="en-US" altLang="ko-KR" sz="2400" dirty="0" smtClean="0"/>
               <a:t>Gazebo)</a:t>
             </a:r>
-            <a:endParaRPr lang="en-US" altLang="ko-KR" sz="2400" dirty="0" smtClean="0"/>
           </a:p>
           <a:p>
             <a:r>
@@ -5717,17 +5695,28 @@
             </a:r>
             <a:r>
               <a:rPr lang="en-US" altLang="ko-KR" sz="2400" dirty="0" smtClean="0"/>
-              <a:t>6 (ROS</a:t>
-            </a:r>
-            <a:r>
-              <a:rPr lang="ko-KR" altLang="en-US" sz="2400" dirty="0" smtClean="0"/>
-              <a:t>↔미정</a:t>
+              <a:t>6 (</a:t>
+            </a:r>
+            <a:r>
+              <a:rPr lang="en-US" altLang="ko-KR" sz="2400" b="1" dirty="0" smtClean="0"/>
+              <a:t>ROS</a:t>
+            </a:r>
+            <a:r>
+              <a:rPr lang="ko-KR" altLang="en-US" sz="2400" b="1" dirty="0" smtClean="0"/>
+              <a:t>↔</a:t>
+            </a:r>
+            <a:r>
+              <a:rPr lang="en-US" altLang="ko-KR" sz="2400" dirty="0" smtClean="0"/>
+              <a:t>*</a:t>
+            </a:r>
+            <a:r>
+              <a:rPr lang="en-US" altLang="ko-KR" sz="2400" b="1" dirty="0" smtClean="0"/>
+              <a:t>TurtleBot3</a:t>
             </a:r>
             <a:r>
               <a:rPr lang="en-US" altLang="ko-KR" sz="2400" dirty="0" smtClean="0"/>
               <a:t>)</a:t>
             </a:r>
-            <a:endParaRPr lang="en-US" altLang="ko-KR" sz="2400" dirty="0" smtClean="0"/>
           </a:p>
           <a:p>
             <a:r>
@@ -5740,19 +5729,7 @@
             </a:r>
             <a:r>
               <a:rPr lang="en-US" altLang="ko-KR" sz="2400" dirty="0" smtClean="0"/>
-              <a:t>7</a:t>
-            </a:r>
-            <a:r>
-              <a:rPr lang="en-US" altLang="ko-KR" sz="2400" dirty="0" smtClean="0"/>
-              <a:t> </a:t>
-            </a:r>
-            <a:r>
-              <a:rPr lang="en-US" altLang="ko-KR" sz="2400" dirty="0" smtClean="0"/>
-              <a:t>(</a:t>
-            </a:r>
-            <a:r>
-              <a:rPr lang="en-US" altLang="ko-KR" sz="2400" dirty="0" smtClean="0"/>
-              <a:t>ROS</a:t>
+              <a:t>7 (ROS</a:t>
             </a:r>
             <a:r>
               <a:rPr lang="ko-KR" altLang="en-US" sz="2400" dirty="0" smtClean="0"/>
@@ -5760,11 +5737,7 @@
             </a:r>
             <a:r>
               <a:rPr lang="en-US" altLang="ko-KR" sz="2400" dirty="0" smtClean="0"/>
-              <a:t>Java, Android</a:t>
-            </a:r>
-            <a:r>
-              <a:rPr lang="en-US" altLang="ko-KR" sz="2400" dirty="0" smtClean="0"/>
-              <a:t>)</a:t>
+              <a:t>Java, Android)</a:t>
             </a:r>
           </a:p>
           <a:p>
@@ -5805,7 +5778,7 @@
             </a:r>
             <a:r>
               <a:rPr lang="en-US" altLang="ko-KR" sz="2400" dirty="0" smtClean="0"/>
-              <a:t>– *</a:t>
+              <a:t>– **</a:t>
             </a:r>
             <a:r>
               <a:rPr lang="ko-KR" altLang="en-US" sz="2400" b="1" dirty="0" err="1" smtClean="0"/>
@@ -5848,7 +5821,7 @@
             </a:r>
             <a:r>
               <a:rPr lang="en-US" altLang="ko-KR" sz="2400" dirty="0" smtClean="0"/>
-              <a:t>– *</a:t>
+              <a:t>– **</a:t>
             </a:r>
             <a:r>
               <a:rPr lang="ko-KR" altLang="en-US" sz="2400" b="1" dirty="0" smtClean="0"/>
@@ -5886,7 +5859,7 @@
             </a:r>
             <a:r>
               <a:rPr lang="en-US" altLang="ko-KR" sz="2400" dirty="0" smtClean="0"/>
-              <a:t> – *</a:t>
+              <a:t> – **</a:t>
             </a:r>
             <a:r>
               <a:rPr lang="ko-KR" altLang="en-US" sz="2400" b="1" dirty="0" err="1" smtClean="0"/>
@@ -5928,7 +5901,7 @@
             </a:r>
             <a:r>
               <a:rPr lang="en-US" altLang="ko-KR" sz="2400" dirty="0" smtClean="0"/>
-              <a:t>– *</a:t>
+              <a:t>– **</a:t>
             </a:r>
             <a:r>
               <a:rPr lang="ko-KR" altLang="en-US" sz="2400" b="1" dirty="0" smtClean="0"/>
@@ -5960,8 +5933,8 @@
         </p:nvSpPr>
         <p:spPr>
           <a:xfrm>
-            <a:off x="4678890" y="6381328"/>
-            <a:ext cx="4392164" cy="369332"/>
+            <a:off x="5364088" y="6237312"/>
+            <a:ext cx="3527119" cy="523220"/>
           </a:xfrm>
           <a:prstGeom prst="rect">
             <a:avLst/>
@@ -5975,26 +5948,37 @@
           <a:lstStyle/>
           <a:p>
             <a:r>
-              <a:rPr lang="en-US" altLang="ko-KR" b="1" dirty="0" smtClean="0"/>
+              <a:rPr lang="en-US" altLang="ko-KR" sz="1400" b="1" dirty="0" smtClean="0"/>
               <a:t>* </a:t>
             </a:r>
             <a:r>
-              <a:rPr lang="ko-KR" altLang="en-US" b="1" dirty="0" smtClean="0"/>
+              <a:rPr lang="ko-KR" altLang="en-US" sz="1400" b="1" dirty="0" smtClean="0"/>
+              <a:t>상황에 따라 바뀔 수도 있음</a:t>
+            </a:r>
+            <a:endParaRPr lang="en-US" altLang="ko-KR" sz="1400" b="1" dirty="0" smtClean="0"/>
+          </a:p>
+          <a:p>
+            <a:r>
+              <a:rPr lang="en-US" altLang="ko-KR" sz="1400" b="1" dirty="0" smtClean="0"/>
+              <a:t>** </a:t>
+            </a:r>
+            <a:r>
+              <a:rPr lang="ko-KR" altLang="en-US" sz="1400" b="1" dirty="0" smtClean="0"/>
               <a:t>국내 대회 </a:t>
             </a:r>
             <a:r>
-              <a:rPr lang="en-US" altLang="ko-KR" b="1" dirty="0" smtClean="0"/>
+              <a:rPr lang="en-US" altLang="ko-KR" sz="1400" b="1" dirty="0" smtClean="0"/>
               <a:t>/ </a:t>
             </a:r>
             <a:r>
-              <a:rPr lang="ko-KR" altLang="en-US" b="1" dirty="0" smtClean="0"/>
+              <a:rPr lang="ko-KR" altLang="en-US" sz="1400" b="1" dirty="0" smtClean="0"/>
               <a:t>해외 대회 </a:t>
             </a:r>
             <a:r>
-              <a:rPr lang="en-US" altLang="ko-KR" b="1" dirty="0" smtClean="0"/>
+              <a:rPr lang="en-US" altLang="ko-KR" sz="1400" b="1" dirty="0" smtClean="0"/>
               <a:t>(Taiwan, Spain)</a:t>
             </a:r>
-            <a:endParaRPr lang="ko-KR" altLang="en-US" b="1" dirty="0"/>
+            <a:endParaRPr lang="ko-KR" altLang="en-US" sz="1400" b="1" dirty="0"/>
           </a:p>
         </p:txBody>
       </p:sp>
